--- a/Project Initial Presentation.pptx
+++ b/Project Initial Presentation.pptx
@@ -385,7 +385,7 @@
           <a:p>
             <a:fld id="{C8A432C8-69A7-458B-9684-2BFA64B31948}" type="datetime2">
               <a:rPr lang="en-US" smtClean="0"/>
-              <a:t>Monday, September 30, 19</a:t>
+              <a:t>Tuesday, October 1, 19</a:t>
             </a:fld>
             <a:endParaRPr lang="en-US"/>
           </a:p>
@@ -621,7 +621,7 @@
           <a:p>
             <a:fld id="{EBDC1E59-17DD-41CE-97CA-624A472382D4}" type="datetime2">
               <a:rPr lang="en-US" smtClean="0"/>
-              <a:t>Monday, September 30, 19</a:t>
+              <a:t>Tuesday, October 1, 19</a:t>
             </a:fld>
             <a:endParaRPr lang="en-US"/>
           </a:p>
@@ -919,7 +919,7 @@
           <a:p>
             <a:fld id="{8CC057FC-95B6-4D89-AFDA-ABA33EE921E5}" type="datetime2">
               <a:rPr lang="en-US" smtClean="0"/>
-              <a:t>Monday, September 30, 19</a:t>
+              <a:t>Tuesday, October 1, 19</a:t>
             </a:fld>
             <a:endParaRPr lang="en-US"/>
           </a:p>
@@ -1100,7 +1100,7 @@
           <a:p>
             <a:fld id="{EC4549AC-EB31-477F-92A9-B1988E232878}" type="datetime2">
               <a:rPr lang="en-US" smtClean="0"/>
-              <a:t>Monday, September 30, 19</a:t>
+              <a:t>Tuesday, October 1, 19</a:t>
             </a:fld>
             <a:endParaRPr lang="en-US"/>
           </a:p>
@@ -1218,7 +1218,7 @@
           <a:p>
             <a:fld id="{A80CB818-7379-467D-8E76-EF9D9074A26C}" type="datetime2">
               <a:rPr lang="en-US" smtClean="0"/>
-              <a:t>Monday, September 30, 19</a:t>
+              <a:t>Tuesday, October 1, 19</a:t>
             </a:fld>
             <a:endParaRPr lang="en-US" dirty="0"/>
           </a:p>
@@ -1432,7 +1432,7 @@
           <a:p>
             <a:fld id="{6396A3A3-94A6-4E5B-AF39-173ACA3E61CC}" type="datetime2">
               <a:rPr lang="en-US" smtClean="0"/>
-              <a:t>Monday, September 30, 19</a:t>
+              <a:t>Tuesday, October 1, 19</a:t>
             </a:fld>
             <a:endParaRPr lang="en-US"/>
           </a:p>
@@ -1741,7 +1741,7 @@
           <a:p>
             <a:fld id="{A80CB818-7379-467D-8E76-EF9D9074A26C}" type="datetime2">
               <a:rPr lang="en-US" smtClean="0"/>
-              <a:t>Monday, September 30, 19</a:t>
+              <a:t>Tuesday, October 1, 19</a:t>
             </a:fld>
             <a:endParaRPr lang="en-US" dirty="0"/>
           </a:p>
@@ -2096,7 +2096,7 @@
           <a:p>
             <a:fld id="{9933D019-A32C-4EAD-B8E6-DBDA699692FD}" type="datetime2">
               <a:rPr lang="en-US" smtClean="0"/>
-              <a:t>Monday, September 30, 19</a:t>
+              <a:t>Tuesday, October 1, 19</a:t>
             </a:fld>
             <a:endParaRPr lang="en-US"/>
           </a:p>
@@ -2390,7 +2390,7 @@
           <a:p>
             <a:fld id="{CCEBA98F-560C-4997-81C4-81D4D9187EAB}" type="datetime2">
               <a:rPr lang="en-US" smtClean="0"/>
-              <a:t>Monday, September 30, 19</a:t>
+              <a:t>Tuesday, October 1, 19</a:t>
             </a:fld>
             <a:endParaRPr lang="en-US"/>
           </a:p>
@@ -2824,7 +2824,7 @@
           <a:p>
             <a:fld id="{150972B2-CA5C-437D-87D0-8081271A9E4B}" type="datetime2">
               <a:rPr lang="en-US" smtClean="0"/>
-              <a:t>Monday, September 30, 19</a:t>
+              <a:t>Tuesday, October 1, 19</a:t>
             </a:fld>
             <a:endParaRPr lang="en-US"/>
           </a:p>
@@ -3009,7 +3009,7 @@
           <a:p>
             <a:fld id="{79CD4847-11EF-4466-A8AD-85CDB7B49118}" type="datetime2">
               <a:rPr lang="en-US" smtClean="0"/>
-              <a:t>Monday, September 30, 19</a:t>
+              <a:t>Tuesday, October 1, 19</a:t>
             </a:fld>
             <a:endParaRPr lang="en-US"/>
           </a:p>
@@ -3101,7 +3101,7 @@
           <a:p>
             <a:fld id="{F168457A-3AB9-4880-8A0C-9F8524491207}" type="datetime2">
               <a:rPr lang="en-US" smtClean="0"/>
-              <a:t>Monday, September 30, 19</a:t>
+              <a:t>Tuesday, October 1, 19</a:t>
             </a:fld>
             <a:endParaRPr lang="en-US"/>
           </a:p>
@@ -3382,7 +3382,7 @@
           <a:p>
             <a:fld id="{3FE976D3-5B7F-4300-ABED-C91F1B2AE209}" type="datetime2">
               <a:rPr lang="en-US" smtClean="0"/>
-              <a:t>Monday, September 30, 19</a:t>
+              <a:t>Tuesday, October 1, 19</a:t>
             </a:fld>
             <a:endParaRPr lang="en-US"/>
           </a:p>
@@ -3593,7 +3593,7 @@
           <a:p>
             <a:fld id="{A80CB818-7379-467D-8E76-EF9D9074A26C}" type="datetime2">
               <a:rPr lang="en-US" smtClean="0"/>
-              <a:t>Monday, September 30, 19</a:t>
+              <a:t>Tuesday, October 1, 19</a:t>
             </a:fld>
             <a:endParaRPr lang="en-US" dirty="0"/>
           </a:p>
@@ -4152,11 +4152,11 @@
   <p:clrMapOvr>
     <a:masterClrMapping/>
   </p:clrMapOvr>
-  <mc:AlternateContent xmlns:mc="http://schemas.openxmlformats.org/markup-compatibility/2006">
-    <mc:Choice xmlns:p14="http://schemas.microsoft.com/office/powerpoint/2010/main" Requires="p14">
+  <mc:AlternateContent xmlns:mc="http://schemas.openxmlformats.org/markup-compatibility/2006" xmlns:p14="http://schemas.microsoft.com/office/powerpoint/2010/main">
+    <mc:Choice Requires="p14">
       <p:transition spd="slow" p14:dur="2000"/>
     </mc:Choice>
-    <mc:Fallback>
+    <mc:Fallback xmlns="">
       <p:transition xmlns:p14="http://schemas.microsoft.com/office/powerpoint/2010/main" spd="slow"/>
     </mc:Fallback>
   </mc:AlternateContent>
@@ -4218,7 +4218,7 @@
         <p:spPr/>
         <p:txBody>
           <a:bodyPr>
-            <a:normAutofit/>
+            <a:normAutofit fontScale="85000" lnSpcReduction="20000"/>
           </a:bodyPr>
           <a:lstStyle/>
           <a:p>
@@ -4229,7 +4229,34 @@
             </a:pPr>
             <a:r>
               <a:rPr lang="en-US" dirty="0" smtClean="0"/>
-              <a:t>Patients and physicians can check/modify balances</a:t>
+              <a:t>Customer </a:t>
+            </a:r>
+            <a:r>
+              <a:rPr lang="mr-IN" dirty="0" smtClean="0"/>
+              <a:t>–</a:t>
+            </a:r>
+            <a:r>
+              <a:rPr lang="en-US" dirty="0" smtClean="0"/>
+              <a:t> Patients</a:t>
+            </a:r>
+            <a:r>
+              <a:rPr lang="en-US" smtClean="0"/>
+              <a:t>/Doctors</a:t>
+            </a:r>
+          </a:p>
+          <a:p>
+            <a:pPr>
+              <a:lnSpc>
+                <a:spcPct val="200000"/>
+              </a:lnSpc>
+            </a:pPr>
+            <a:r>
+              <a:rPr lang="en-US" smtClean="0"/>
+              <a:t>Patients </a:t>
+            </a:r>
+            <a:r>
+              <a:rPr lang="en-US" dirty="0" smtClean="0"/>
+              <a:t>and physicians can check/modify balances</a:t>
             </a:r>
           </a:p>
           <a:p>
@@ -4288,11 +4315,11 @@
   <p:clrMapOvr>
     <a:masterClrMapping/>
   </p:clrMapOvr>
-  <mc:AlternateContent xmlns:mc="http://schemas.openxmlformats.org/markup-compatibility/2006">
-    <mc:Choice xmlns:p14="http://schemas.microsoft.com/office/powerpoint/2010/main" Requires="p14">
+  <mc:AlternateContent xmlns:mc="http://schemas.openxmlformats.org/markup-compatibility/2006" xmlns:p14="http://schemas.microsoft.com/office/powerpoint/2010/main">
+    <mc:Choice Requires="p14">
       <p:transition spd="slow" p14:dur="2000"/>
     </mc:Choice>
-    <mc:Fallback>
+    <mc:Fallback xmlns="">
       <p:transition xmlns:p14="http://schemas.microsoft.com/office/powerpoint/2010/main" spd="slow"/>
     </mc:Fallback>
   </mc:AlternateContent>

--- a/Project Initial Presentation.pptx
+++ b/Project Initial Presentation.pptx
@@ -4108,8 +4108,8 @@
         </p:nvSpPr>
         <p:spPr>
           <a:xfrm>
-            <a:off x="498348" y="5723213"/>
-            <a:ext cx="8147304" cy="667512"/>
+            <a:off x="498348" y="5343327"/>
+            <a:ext cx="8147304" cy="1047398"/>
           </a:xfrm>
         </p:spPr>
         <p:txBody>
@@ -4120,7 +4120,22 @@
           <a:p>
             <a:r>
               <a:rPr lang="en-US" dirty="0" smtClean="0"/>
-              <a:t>Team Members: </a:t>
+              <a:t>Team Name: Group 4</a:t>
+            </a:r>
+          </a:p>
+          <a:p>
+            <a:pPr>
+              <a:lnSpc>
+                <a:spcPct val="160000"/>
+              </a:lnSpc>
+            </a:pPr>
+            <a:r>
+              <a:rPr lang="en-US" dirty="0" smtClean="0"/>
+              <a:t>Team </a:t>
+            </a:r>
+            <a:r>
+              <a:rPr lang="en-US" dirty="0" smtClean="0"/>
+              <a:t>Members: </a:t>
             </a:r>
             <a:r>
               <a:rPr lang="en-US" dirty="0" err="1" smtClean="0"/>
@@ -4237,11 +4252,7 @@
             </a:r>
             <a:r>
               <a:rPr lang="en-US" dirty="0" smtClean="0"/>
-              <a:t> Patients</a:t>
-            </a:r>
-            <a:r>
-              <a:rPr lang="en-US" smtClean="0"/>
-              <a:t>/Doctors</a:t>
+              <a:t> Patients/Doctors</a:t>
             </a:r>
           </a:p>
           <a:p>
@@ -4251,7 +4262,7 @@
               </a:lnSpc>
             </a:pPr>
             <a:r>
-              <a:rPr lang="en-US" smtClean="0"/>
+              <a:rPr lang="en-US" dirty="0" smtClean="0"/>
               <a:t>Patients </a:t>
             </a:r>
             <a:r>
@@ -4503,7 +4514,7 @@
         <p:spPr/>
         <p:txBody>
           <a:bodyPr>
-            <a:normAutofit/>
+            <a:normAutofit fontScale="77500" lnSpcReduction="20000"/>
           </a:bodyPr>
           <a:lstStyle/>
           <a:p>
@@ -4529,7 +4540,21 @@
               <a:rPr lang="en-US" sz="2200" dirty="0" smtClean="0"/>
               <a:t>recommendation</a:t>
             </a:r>
-            <a:endParaRPr lang="en-US" sz="2200" dirty="0"/>
+          </a:p>
+          <a:p>
+            <a:pPr marL="914400" lvl="2">
+              <a:lnSpc>
+                <a:spcPct val="150000"/>
+              </a:lnSpc>
+              <a:spcBef>
+                <a:spcPts val="2000"/>
+              </a:spcBef>
+            </a:pPr>
+            <a:r>
+              <a:rPr lang="en-US" dirty="0" smtClean="0"/>
+              <a:t>Done: Printable detailed list of patient’s medical history</a:t>
+            </a:r>
+            <a:endParaRPr lang="en-US" dirty="0"/>
           </a:p>
           <a:p>
             <a:pPr marL="457200" lvl="1">
@@ -4552,8 +4577,31 @@
             </a:r>
             <a:r>
               <a:rPr lang="en-US" sz="2200" dirty="0"/>
-              <a:t>am an insurance agent and I want to know what the current highest risk of disease is to adjust my rates</a:t>
-            </a:r>
+              <a:t>am an insurance agent and I want to know what the current highest risk of disease is to adjust my </a:t>
+            </a:r>
+            <a:r>
+              <a:rPr lang="en-US" sz="2200" dirty="0" smtClean="0"/>
+              <a:t>rates</a:t>
+            </a:r>
+          </a:p>
+          <a:p>
+            <a:pPr marL="914400" lvl="2">
+              <a:lnSpc>
+                <a:spcPct val="150000"/>
+              </a:lnSpc>
+              <a:spcBef>
+                <a:spcPts val="2000"/>
+              </a:spcBef>
+            </a:pPr>
+            <a:r>
+              <a:rPr lang="en-US" dirty="0" smtClean="0"/>
+              <a:t>Done: Printable detailed list of generic medical </a:t>
+            </a:r>
+            <a:r>
+              <a:rPr lang="en-US" dirty="0" smtClean="0"/>
+              <a:t>statistics</a:t>
+            </a:r>
+            <a:endParaRPr lang="en-US" dirty="0"/>
           </a:p>
           <a:p>
             <a:pPr marL="457200" lvl="1">
@@ -4578,7 +4626,21 @@
               <a:rPr lang="en-US" sz="2200" dirty="0" smtClean="0"/>
               <a:t>to</a:t>
             </a:r>
-            <a:endParaRPr lang="en-US" sz="2200" dirty="0"/>
+          </a:p>
+          <a:p>
+            <a:pPr marL="914400" lvl="2">
+              <a:lnSpc>
+                <a:spcPct val="150000"/>
+              </a:lnSpc>
+              <a:spcBef>
+                <a:spcPts val="2000"/>
+              </a:spcBef>
+            </a:pPr>
+            <a:r>
+              <a:rPr lang="en-US" dirty="0" smtClean="0"/>
+              <a:t>Done: A functioning GUI that accepts and processes payment information</a:t>
+            </a:r>
+            <a:endParaRPr lang="en-US" dirty="0"/>
           </a:p>
         </p:txBody>
       </p:sp>

--- a/Project Initial Presentation.pptx
+++ b/Project Initial Presentation.pptx
@@ -4120,7 +4120,7 @@
           <a:p>
             <a:r>
               <a:rPr lang="en-US" dirty="0" smtClean="0"/>
-              <a:t>Team Name: Group 4</a:t>
+              <a:t>Team Name: The JJSNG Group</a:t>
             </a:r>
           </a:p>
           <a:p>
